--- a/Software Operational Anomaly Detection.pptx
+++ b/Software Operational Anomaly Detection.pptx
@@ -5,7 +5,7 @@
     <p:sldMasterId id="2147483802" r:id="rId1"/>
   </p:sldMasterIdLst>
   <p:notesMasterIdLst>
-    <p:notesMasterId r:id="rId15"/>
+    <p:notesMasterId r:id="rId16"/>
   </p:notesMasterIdLst>
   <p:sldIdLst>
     <p:sldId id="256" r:id="rId2"/>
@@ -16,11 +16,12 @@
     <p:sldId id="262" r:id="rId7"/>
     <p:sldId id="263" r:id="rId8"/>
     <p:sldId id="265" r:id="rId9"/>
-    <p:sldId id="266" r:id="rId10"/>
-    <p:sldId id="267" r:id="rId11"/>
-    <p:sldId id="268" r:id="rId12"/>
-    <p:sldId id="271" r:id="rId13"/>
-    <p:sldId id="270" r:id="rId14"/>
+    <p:sldId id="272" r:id="rId10"/>
+    <p:sldId id="266" r:id="rId11"/>
+    <p:sldId id="267" r:id="rId12"/>
+    <p:sldId id="268" r:id="rId13"/>
+    <p:sldId id="271" r:id="rId14"/>
+    <p:sldId id="270" r:id="rId15"/>
   </p:sldIdLst>
   <p:sldSz cx="9144000" cy="6858000" type="screen4x3"/>
   <p:notesSz cx="6858000" cy="9144000"/>
@@ -135,7 +136,7 @@
       </p15:sldGuideLst>
     </p:ext>
     <p:ext uri="http://customooxmlschemas.google.com/">
-      <go:slidesCustomData xmlns="" xmlns:mc="http://schemas.openxmlformats.org/markup-compatibility/2006" xmlns:mv="urn:schemas-microsoft-com:mac:vml" xmlns:c="http://schemas.openxmlformats.org/drawingml/2006/chart" xmlns:dgm="http://schemas.openxmlformats.org/drawingml/2006/diagram" xmlns:o="urn:schemas-microsoft-com:office:office" xmlns:v="urn:schemas-microsoft-com:vml" xmlns:pvml="urn:schemas-microsoft-com:office:powerpoint" xmlns:com="http://schemas.openxmlformats.org/drawingml/2006/compatibility" xmlns:p14="http://schemas.microsoft.com/office/powerpoint/2010/main" xmlns:p15="http://schemas.microsoft.com/office/powerpoint/2012/main" xmlns:go="http://customooxmlschemas.google.com/" r:id="rId17" roundtripDataSignature="AMtx7mjdo7FECp685JsX7/4pIVeoAktjNA=="/>
+      <go:slidesCustomData xmlns="" xmlns:mc="http://schemas.openxmlformats.org/markup-compatibility/2006" xmlns:mv="urn:schemas-microsoft-com:mac:vml" xmlns:c="http://schemas.openxmlformats.org/drawingml/2006/chart" xmlns:dgm="http://schemas.openxmlformats.org/drawingml/2006/diagram" xmlns:o="urn:schemas-microsoft-com:office:office" xmlns:v="urn:schemas-microsoft-com:vml" xmlns:pvml="urn:schemas-microsoft-com:office:powerpoint" xmlns:com="http://schemas.openxmlformats.org/drawingml/2006/compatibility" xmlns:p14="http://schemas.microsoft.com/office/powerpoint/2010/main" xmlns:p15="http://schemas.microsoft.com/office/powerpoint/2012/main" xmlns:go="http://customooxmlschemas.google.com/" r:id="rId18" roundtripDataSignature="AMtx7mjdo7FECp685JsX7/4pIVeoAktjNA=="/>
     </p:ext>
   </p:extLst>
 </p:presentation>
@@ -1845,7 +1846,7 @@
                   <a:srgbClr val="000000"/>
                 </a:solidFill>
               </a:rPr>
-              <a:t>10</a:t>
+              <a:t>11</a:t>
             </a:fld>
             <a:endParaRPr sz="1800" b="0" i="0" u="none" strike="noStrike" cap="none">
               <a:solidFill>
@@ -2380,7 +2381,7 @@
                   <a:srgbClr val="000000"/>
                 </a:solidFill>
               </a:rPr>
-              <a:t>11</a:t>
+              <a:t>12</a:t>
             </a:fld>
             <a:endParaRPr sz="1800" b="0" i="0" u="none" strike="noStrike" cap="none">
               <a:solidFill>
@@ -2915,7 +2916,7 @@
                   <a:srgbClr val="000000"/>
                 </a:solidFill>
               </a:rPr>
-              <a:t>13</a:t>
+              <a:t>14</a:t>
             </a:fld>
             <a:endParaRPr sz="1800" b="0" i="0" u="none" strike="noStrike" cap="none">
               <a:solidFill>
@@ -6491,7 +6492,7 @@
                   <a:srgbClr val="000000"/>
                 </a:solidFill>
               </a:rPr>
-              <a:t>9</a:t>
+              <a:t>10</a:t>
             </a:fld>
             <a:endParaRPr sz="1800" b="0" i="0" u="none" strike="noStrike" cap="none">
               <a:solidFill>
@@ -7143,7 +7144,7 @@
             <a:fld id="{8E36636D-D922-432D-A958-524484B5923D}" type="datetimeFigureOut">
               <a:rPr lang="en-US" smtClean="0"/>
               <a:pPr/>
-              <a:t>4/29/2021</a:t>
+              <a:t>5/10/2021</a:t>
             </a:fld>
             <a:endParaRPr lang="en-US" dirty="0"/>
           </a:p>
@@ -7443,7 +7444,7 @@
           <a:p>
             <a:fld id="{48A87A34-81AB-432B-8DAE-1953F412C126}" type="datetimeFigureOut">
               <a:rPr lang="en-US" smtClean="0"/>
-              <a:t>4/29/2021</a:t>
+              <a:t>5/10/2021</a:t>
             </a:fld>
             <a:endParaRPr lang="en-US" dirty="0"/>
           </a:p>
@@ -7637,7 +7638,7 @@
             <a:fld id="{8E36636D-D922-432D-A958-524484B5923D}" type="datetimeFigureOut">
               <a:rPr lang="en-US" smtClean="0"/>
               <a:pPr/>
-              <a:t>4/29/2021</a:t>
+              <a:t>5/10/2021</a:t>
             </a:fld>
             <a:endParaRPr lang="en-US" dirty="0"/>
           </a:p>
@@ -7901,7 +7902,7 @@
             <a:fld id="{8E36636D-D922-432D-A958-524484B5923D}" type="datetimeFigureOut">
               <a:rPr lang="en-US" smtClean="0"/>
               <a:pPr/>
-              <a:t>4/29/2021</a:t>
+              <a:t>5/10/2021</a:t>
             </a:fld>
             <a:endParaRPr lang="en-US" dirty="0"/>
           </a:p>
@@ -8328,7 +8329,7 @@
             <a:fld id="{8E36636D-D922-432D-A958-524484B5923D}" type="datetimeFigureOut">
               <a:rPr lang="en-US" smtClean="0"/>
               <a:pPr/>
-              <a:t>4/29/2021</a:t>
+              <a:t>5/10/2021</a:t>
             </a:fld>
             <a:endParaRPr lang="en-US" dirty="0"/>
           </a:p>
@@ -8868,7 +8869,7 @@
             <a:fld id="{8E36636D-D922-432D-A958-524484B5923D}" type="datetimeFigureOut">
               <a:rPr lang="en-US" smtClean="0"/>
               <a:pPr/>
-              <a:t>4/29/2021</a:t>
+              <a:t>5/10/2021</a:t>
             </a:fld>
             <a:endParaRPr lang="en-US" dirty="0"/>
           </a:p>
@@ -9735,7 +9736,7 @@
             <a:fld id="{8E36636D-D922-432D-A958-524484B5923D}" type="datetimeFigureOut">
               <a:rPr lang="en-US" smtClean="0"/>
               <a:pPr/>
-              <a:t>4/29/2021</a:t>
+              <a:t>5/10/2021</a:t>
             </a:fld>
             <a:endParaRPr lang="en-US" dirty="0"/>
           </a:p>
@@ -9908,7 +9909,7 @@
             <a:fld id="{8E36636D-D922-432D-A958-524484B5923D}" type="datetimeFigureOut">
               <a:rPr lang="en-US" smtClean="0"/>
               <a:pPr/>
-              <a:t>4/29/2021</a:t>
+              <a:t>5/10/2021</a:t>
             </a:fld>
             <a:endParaRPr lang="en-US" dirty="0"/>
           </a:p>
@@ -10095,7 +10096,7 @@
             <a:fld id="{8E36636D-D922-432D-A958-524484B5923D}" type="datetimeFigureOut">
               <a:rPr lang="en-US" smtClean="0"/>
               <a:pPr/>
-              <a:t>4/29/2021</a:t>
+              <a:t>5/10/2021</a:t>
             </a:fld>
             <a:endParaRPr lang="en-US" dirty="0"/>
           </a:p>
@@ -10458,7 +10459,7 @@
             <a:fld id="{8E36636D-D922-432D-A958-524484B5923D}" type="datetimeFigureOut">
               <a:rPr lang="en-US" smtClean="0"/>
               <a:pPr/>
-              <a:t>4/29/2021</a:t>
+              <a:t>5/10/2021</a:t>
             </a:fld>
             <a:endParaRPr lang="en-US" dirty="0"/>
           </a:p>
@@ -10705,7 +10706,7 @@
             <a:fld id="{8E36636D-D922-432D-A958-524484B5923D}" type="datetimeFigureOut">
               <a:rPr lang="en-US" smtClean="0"/>
               <a:pPr/>
-              <a:t>4/29/2021</a:t>
+              <a:t>5/10/2021</a:t>
             </a:fld>
             <a:endParaRPr lang="en-US" dirty="0"/>
           </a:p>
@@ -10944,7 +10945,7 @@
             <a:fld id="{8E36636D-D922-432D-A958-524484B5923D}" type="datetimeFigureOut">
               <a:rPr lang="en-US" smtClean="0"/>
               <a:pPr/>
-              <a:t>4/29/2021</a:t>
+              <a:t>5/10/2021</a:t>
             </a:fld>
             <a:endParaRPr lang="en-US" dirty="0"/>
           </a:p>
@@ -11413,7 +11414,7 @@
             <a:fld id="{8E36636D-D922-432D-A958-524484B5923D}" type="datetimeFigureOut">
               <a:rPr lang="en-US" smtClean="0"/>
               <a:pPr/>
-              <a:t>4/29/2021</a:t>
+              <a:t>5/10/2021</a:t>
             </a:fld>
             <a:endParaRPr lang="en-US" dirty="0"/>
           </a:p>
@@ -11534,7 +11535,7 @@
             <a:fld id="{8E36636D-D922-432D-A958-524484B5923D}" type="datetimeFigureOut">
               <a:rPr lang="en-US" smtClean="0"/>
               <a:pPr/>
-              <a:t>4/29/2021</a:t>
+              <a:t>5/10/2021</a:t>
             </a:fld>
             <a:endParaRPr lang="en-US" dirty="0"/>
           </a:p>
@@ -11631,7 +11632,7 @@
             <a:fld id="{8E36636D-D922-432D-A958-524484B5923D}" type="datetimeFigureOut">
               <a:rPr lang="en-US" smtClean="0"/>
               <a:pPr/>
-              <a:t>4/29/2021</a:t>
+              <a:t>5/10/2021</a:t>
             </a:fld>
             <a:endParaRPr lang="en-US" dirty="0"/>
           </a:p>
@@ -11889,7 +11890,7 @@
             <a:fld id="{8E36636D-D922-432D-A958-524484B5923D}" type="datetimeFigureOut">
               <a:rPr lang="en-US" smtClean="0"/>
               <a:pPr/>
-              <a:t>4/29/2021</a:t>
+              <a:t>5/10/2021</a:t>
             </a:fld>
             <a:endParaRPr lang="en-US" dirty="0"/>
           </a:p>
@@ -12192,7 +12193,7 @@
             <a:fld id="{8E36636D-D922-432D-A958-524484B5923D}" type="datetimeFigureOut">
               <a:rPr lang="en-US" smtClean="0"/>
               <a:pPr/>
-              <a:t>4/29/2021</a:t>
+              <a:t>5/10/2021</a:t>
             </a:fld>
             <a:endParaRPr lang="en-US" dirty="0"/>
           </a:p>
@@ -12429,7 +12430,7 @@
             <a:fld id="{8E36636D-D922-432D-A958-524484B5923D}" type="datetimeFigureOut">
               <a:rPr lang="en-US" smtClean="0"/>
               <a:pPr/>
-              <a:t>4/29/2021</a:t>
+              <a:t>5/10/2021</a:t>
             </a:fld>
             <a:endParaRPr lang="en-US" dirty="0"/>
           </a:p>
@@ -13434,7 +13435,7 @@
               <a:buNone/>
             </a:pPr>
             <a:r>
-              <a:rPr lang="en-AU" sz="1600" dirty="0" err="1">
+              <a:rPr lang="en-AU" sz="1600" dirty="0">
                 <a:solidFill>
                   <a:schemeClr val="tx1"/>
                 </a:solidFill>
@@ -13443,7 +13444,7 @@
                 <a:cs typeface="Quattrocento Sans"/>
                 <a:sym typeface="Quattrocento Sans"/>
               </a:rPr>
-              <a:t>Modeling</a:t>
+              <a:t>Modelling</a:t>
             </a:r>
             <a:endParaRPr lang="en-AU" sz="1600" dirty="0">
               <a:solidFill>
@@ -13462,8 +13463,8 @@
         </p:nvSpPr>
         <p:spPr>
           <a:xfrm>
-            <a:off x="393087" y="2021367"/>
-            <a:ext cx="4178913" cy="2615288"/>
+            <a:off x="404361" y="2140401"/>
+            <a:ext cx="8335277" cy="3549199"/>
           </a:xfrm>
           <a:prstGeom prst="rect">
             <a:avLst/>
@@ -13479,6 +13480,273 @@
           </a:bodyPr>
           <a:lstStyle/>
           <a:p>
+            <a:pPr marL="285750" marR="0" indent="-285750">
+              <a:lnSpc>
+                <a:spcPct val="150000"/>
+              </a:lnSpc>
+              <a:spcBef>
+                <a:spcPts val="0"/>
+              </a:spcBef>
+              <a:spcAft>
+                <a:spcPts val="800"/>
+              </a:spcAft>
+              <a:buFont typeface="Arial" panose="020B0604020202020204" pitchFamily="34" charset="0"/>
+              <a:buChar char="•"/>
+            </a:pPr>
+            <a:r>
+              <a:rPr lang="en-US" dirty="0">
+                <a:latin typeface="Trebuchet MS" panose="020B0603020202020204" pitchFamily="34" charset="0"/>
+                <a:ea typeface="Trebuchet MS" panose="020B0603020202020204" pitchFamily="34" charset="0"/>
+                <a:cs typeface="Times New Roman" panose="02020603050405020304" pitchFamily="18" charset="0"/>
+              </a:rPr>
+              <a:t>Algorithms compared – Random Forest, Logistic Regression, XG Boost</a:t>
+            </a:r>
+          </a:p>
+          <a:p>
+            <a:pPr marL="285750" marR="0" indent="-285750">
+              <a:lnSpc>
+                <a:spcPct val="150000"/>
+              </a:lnSpc>
+              <a:spcBef>
+                <a:spcPts val="0"/>
+              </a:spcBef>
+              <a:spcAft>
+                <a:spcPts val="800"/>
+              </a:spcAft>
+              <a:buFont typeface="Arial" panose="020B0604020202020204" pitchFamily="34" charset="0"/>
+              <a:buChar char="•"/>
+            </a:pPr>
+            <a:r>
+              <a:rPr lang="en-US" dirty="0">
+                <a:latin typeface="Trebuchet MS" panose="020B0603020202020204" pitchFamily="34" charset="0"/>
+                <a:ea typeface="Trebuchet MS" panose="020B0603020202020204" pitchFamily="34" charset="0"/>
+                <a:cs typeface="Times New Roman" panose="02020603050405020304" pitchFamily="18" charset="0"/>
+              </a:rPr>
+              <a:t>Metric for scoring – </a:t>
+            </a:r>
+            <a:r>
+              <a:rPr lang="en-US" b="1" dirty="0">
+                <a:solidFill>
+                  <a:srgbClr val="92D050"/>
+                </a:solidFill>
+                <a:latin typeface="Trebuchet MS" panose="020B0603020202020204" pitchFamily="34" charset="0"/>
+                <a:ea typeface="Trebuchet MS" panose="020B0603020202020204" pitchFamily="34" charset="0"/>
+                <a:cs typeface="Times New Roman" panose="02020603050405020304" pitchFamily="18" charset="0"/>
+              </a:rPr>
+              <a:t>Area under ROC curve</a:t>
+            </a:r>
+          </a:p>
+          <a:p>
+            <a:pPr marL="285750" marR="0" indent="-285750">
+              <a:lnSpc>
+                <a:spcPct val="150000"/>
+              </a:lnSpc>
+              <a:spcBef>
+                <a:spcPts val="0"/>
+              </a:spcBef>
+              <a:spcAft>
+                <a:spcPts val="800"/>
+              </a:spcAft>
+              <a:buFont typeface="Arial" panose="020B0604020202020204" pitchFamily="34" charset="0"/>
+              <a:buChar char="•"/>
+            </a:pPr>
+            <a:r>
+              <a:rPr lang="en-US" dirty="0">
+                <a:latin typeface="Trebuchet MS" panose="020B0603020202020204" pitchFamily="34" charset="0"/>
+                <a:ea typeface="Trebuchet MS" panose="020B0603020202020204" pitchFamily="34" charset="0"/>
+                <a:cs typeface="Times New Roman" panose="02020603050405020304" pitchFamily="18" charset="0"/>
+              </a:rPr>
+              <a:t>Algorithm chosen – </a:t>
+            </a:r>
+            <a:r>
+              <a:rPr lang="en-US" b="1" dirty="0">
+                <a:solidFill>
+                  <a:srgbClr val="92D050"/>
+                </a:solidFill>
+                <a:latin typeface="Trebuchet MS" panose="020B0603020202020204" pitchFamily="34" charset="0"/>
+                <a:ea typeface="Trebuchet MS" panose="020B0603020202020204" pitchFamily="34" charset="0"/>
+                <a:cs typeface="Times New Roman" panose="02020603050405020304" pitchFamily="18" charset="0"/>
+              </a:rPr>
+              <a:t>XG Boost Classifier</a:t>
+            </a:r>
+          </a:p>
+        </p:txBody>
+      </p:sp>
+    </p:spTree>
+    <p:extLst>
+      <p:ext uri="{BB962C8B-B14F-4D97-AF65-F5344CB8AC3E}">
+        <p14:creationId xmlns:p14="http://schemas.microsoft.com/office/powerpoint/2010/main" val="49638948"/>
+      </p:ext>
+    </p:extLst>
+  </p:cSld>
+  <p:clrMapOvr>
+    <a:masterClrMapping/>
+  </p:clrMapOvr>
+</p:sld>
+</file>
+
+<file path=ppt/slides/slide11.xml><?xml version="1.0" encoding="utf-8"?>
+<p:sld xmlns:a="http://schemas.openxmlformats.org/drawingml/2006/main" xmlns:r="http://schemas.openxmlformats.org/officeDocument/2006/relationships" xmlns:p="http://schemas.openxmlformats.org/presentationml/2006/main">
+  <p:cSld>
+    <p:spTree>
+      <p:nvGrpSpPr>
+        <p:cNvPr id="1" name="Shape 19"/>
+        <p:cNvGrpSpPr/>
+        <p:nvPr/>
+      </p:nvGrpSpPr>
+      <p:grpSpPr>
+        <a:xfrm>
+          <a:off x="0" y="0"/>
+          <a:ext cx="0" cy="0"/>
+          <a:chOff x="0" y="0"/>
+          <a:chExt cx="0" cy="0"/>
+        </a:xfrm>
+      </p:grpSpPr>
+      <p:sp>
+        <p:nvSpPr>
+          <p:cNvPr id="45" name="Google Shape;45;p1"/>
+          <p:cNvSpPr/>
+          <p:nvPr/>
+        </p:nvSpPr>
+        <p:spPr>
+          <a:xfrm>
+            <a:off x="121750" y="116631"/>
+            <a:ext cx="7724912" cy="1137079"/>
+          </a:xfrm>
+          <a:prstGeom prst="wedgeRectCallout">
+            <a:avLst>
+              <a:gd name="adj1" fmla="val 53513"/>
+              <a:gd name="adj2" fmla="val 6588"/>
+            </a:avLst>
+          </a:prstGeom>
+          <a:noFill/>
+          <a:ln>
+            <a:noFill/>
+          </a:ln>
+        </p:spPr>
+        <p:txBody>
+          <a:bodyPr spcFirstLastPara="1" wrap="square" lIns="91425" tIns="45700" rIns="91425" bIns="45700" anchor="ctr" anchorCtr="0">
+            <a:noAutofit/>
+          </a:bodyPr>
+          <a:lstStyle/>
+          <a:p>
+            <a:pPr marL="0" marR="0" lvl="0" indent="0" algn="ctr" rtl="0">
+              <a:lnSpc>
+                <a:spcPct val="100000"/>
+              </a:lnSpc>
+              <a:spcBef>
+                <a:spcPts val="0"/>
+              </a:spcBef>
+              <a:spcAft>
+                <a:spcPts val="0"/>
+              </a:spcAft>
+              <a:buClr>
+                <a:srgbClr val="000000"/>
+              </a:buClr>
+              <a:buSzPts val="1800"/>
+              <a:buFont typeface="Arial"/>
+              <a:buNone/>
+            </a:pPr>
+            <a:endParaRPr sz="1800" b="0" i="0" u="none" strike="noStrike" cap="none">
+              <a:solidFill>
+                <a:schemeClr val="dk1"/>
+              </a:solidFill>
+              <a:latin typeface="Arial"/>
+              <a:ea typeface="Arial"/>
+              <a:cs typeface="Arial"/>
+              <a:sym typeface="Arial"/>
+            </a:endParaRPr>
+          </a:p>
+        </p:txBody>
+      </p:sp>
+      <p:sp>
+        <p:nvSpPr>
+          <p:cNvPr id="46" name="Google Shape;46;p1"/>
+          <p:cNvSpPr txBox="1">
+            <a:spLocks noGrp="1"/>
+          </p:cNvSpPr>
+          <p:nvPr>
+            <p:ph type="title"/>
+          </p:nvPr>
+        </p:nvSpPr>
+        <p:spPr>
+          <a:xfrm>
+            <a:off x="393088" y="442048"/>
+            <a:ext cx="8119053" cy="307777"/>
+          </a:xfrm>
+          <a:prstGeom prst="rect">
+            <a:avLst/>
+          </a:prstGeom>
+          <a:noFill/>
+          <a:ln>
+            <a:noFill/>
+          </a:ln>
+        </p:spPr>
+        <p:txBody>
+          <a:bodyPr spcFirstLastPara="1" wrap="square" lIns="0" tIns="0" rIns="0" bIns="0" anchor="t" anchorCtr="0">
+            <a:noAutofit/>
+          </a:bodyPr>
+          <a:lstStyle/>
+          <a:p>
+            <a:pPr marL="0" lvl="0" indent="0" algn="l" rtl="0">
+              <a:lnSpc>
+                <a:spcPct val="100000"/>
+              </a:lnSpc>
+              <a:spcBef>
+                <a:spcPts val="0"/>
+              </a:spcBef>
+              <a:spcAft>
+                <a:spcPts val="0"/>
+              </a:spcAft>
+              <a:buSzPts val="1400"/>
+              <a:buNone/>
+            </a:pPr>
+            <a:r>
+              <a:rPr lang="en-AU" sz="1600" dirty="0">
+                <a:solidFill>
+                  <a:schemeClr val="tx1"/>
+                </a:solidFill>
+                <a:latin typeface="Trebuchet MS" panose="020B0603020202020204" pitchFamily="34" charset="0"/>
+                <a:ea typeface="Quattrocento Sans"/>
+                <a:cs typeface="Quattrocento Sans"/>
+                <a:sym typeface="Quattrocento Sans"/>
+              </a:rPr>
+              <a:t>Modelling</a:t>
+            </a:r>
+            <a:endParaRPr lang="en-AU" sz="1600" dirty="0">
+              <a:solidFill>
+                <a:schemeClr val="tx1"/>
+              </a:solidFill>
+              <a:latin typeface="Trebuchet MS" panose="020B0603020202020204" pitchFamily="34" charset="0"/>
+            </a:endParaRPr>
+          </a:p>
+        </p:txBody>
+      </p:sp>
+      <p:sp>
+        <p:nvSpPr>
+          <p:cNvPr id="48" name="Google Shape;48;p1"/>
+          <p:cNvSpPr txBox="1"/>
+          <p:nvPr/>
+        </p:nvSpPr>
+        <p:spPr>
+          <a:xfrm>
+            <a:off x="258618" y="1459055"/>
+            <a:ext cx="4313382" cy="4156654"/>
+          </a:xfrm>
+          <a:prstGeom prst="rect">
+            <a:avLst/>
+          </a:prstGeom>
+          <a:noFill/>
+          <a:ln>
+            <a:noFill/>
+          </a:ln>
+        </p:spPr>
+        <p:txBody>
+          <a:bodyPr spcFirstLastPara="1" wrap="square" lIns="91425" tIns="45700" rIns="91425" bIns="45700" anchor="t" anchorCtr="0">
+            <a:noAutofit/>
+          </a:bodyPr>
+          <a:lstStyle/>
+          <a:p>
             <a:pPr marL="0" marR="0">
               <a:lnSpc>
                 <a:spcPct val="150000"/>
@@ -13507,8 +13775,143 @@
                 <a:ea typeface="Times New Roman" panose="02020603050405020304" pitchFamily="18" charset="0"/>
                 <a:cs typeface="Times New Roman" panose="02020603050405020304" pitchFamily="18" charset="0"/>
               </a:rPr>
-              <a:t>1.0</a:t>
-            </a:r>
+              <a:t>0.88</a:t>
+            </a:r>
+          </a:p>
+          <a:p>
+            <a:pPr>
+              <a:lnSpc>
+                <a:spcPct val="150000"/>
+              </a:lnSpc>
+            </a:pPr>
+            <a:endParaRPr lang="en-US" dirty="0">
+              <a:latin typeface="Trebuchet MS" panose="020B0603020202020204" pitchFamily="34" charset="0"/>
+              <a:ea typeface="Times New Roman" panose="02020603050405020304" pitchFamily="18" charset="0"/>
+              <a:cs typeface="Times New Roman" panose="02020603050405020304" pitchFamily="18" charset="0"/>
+            </a:endParaRPr>
+          </a:p>
+          <a:p>
+            <a:pPr>
+              <a:lnSpc>
+                <a:spcPct val="150000"/>
+              </a:lnSpc>
+            </a:pPr>
+            <a:endParaRPr lang="en-US" dirty="0">
+              <a:latin typeface="Trebuchet MS" panose="020B0603020202020204" pitchFamily="34" charset="0"/>
+              <a:ea typeface="Times New Roman" panose="02020603050405020304" pitchFamily="18" charset="0"/>
+              <a:cs typeface="Times New Roman" panose="02020603050405020304" pitchFamily="18" charset="0"/>
+            </a:endParaRPr>
+          </a:p>
+          <a:p>
+            <a:pPr>
+              <a:lnSpc>
+                <a:spcPct val="150000"/>
+              </a:lnSpc>
+            </a:pPr>
+            <a:endParaRPr lang="en-US" dirty="0">
+              <a:latin typeface="Trebuchet MS" panose="020B0603020202020204" pitchFamily="34" charset="0"/>
+              <a:ea typeface="Times New Roman" panose="02020603050405020304" pitchFamily="18" charset="0"/>
+              <a:cs typeface="Times New Roman" panose="02020603050405020304" pitchFamily="18" charset="0"/>
+            </a:endParaRPr>
+          </a:p>
+          <a:p>
+            <a:pPr>
+              <a:lnSpc>
+                <a:spcPct val="150000"/>
+              </a:lnSpc>
+            </a:pPr>
+            <a:endParaRPr lang="en-US" dirty="0">
+              <a:latin typeface="Trebuchet MS" panose="020B0603020202020204" pitchFamily="34" charset="0"/>
+              <a:ea typeface="Times New Roman" panose="02020603050405020304" pitchFamily="18" charset="0"/>
+              <a:cs typeface="Times New Roman" panose="02020603050405020304" pitchFamily="18" charset="0"/>
+            </a:endParaRPr>
+          </a:p>
+          <a:p>
+            <a:pPr>
+              <a:lnSpc>
+                <a:spcPct val="150000"/>
+              </a:lnSpc>
+            </a:pPr>
+            <a:endParaRPr lang="en-US" dirty="0">
+              <a:latin typeface="Trebuchet MS" panose="020B0603020202020204" pitchFamily="34" charset="0"/>
+              <a:ea typeface="Times New Roman" panose="02020603050405020304" pitchFamily="18" charset="0"/>
+              <a:cs typeface="Times New Roman" panose="02020603050405020304" pitchFamily="18" charset="0"/>
+            </a:endParaRPr>
+          </a:p>
+          <a:p>
+            <a:pPr>
+              <a:lnSpc>
+                <a:spcPct val="150000"/>
+              </a:lnSpc>
+            </a:pPr>
+            <a:endParaRPr lang="en-US" dirty="0">
+              <a:latin typeface="Trebuchet MS" panose="020B0603020202020204" pitchFamily="34" charset="0"/>
+              <a:ea typeface="Times New Roman" panose="02020603050405020304" pitchFamily="18" charset="0"/>
+              <a:cs typeface="Times New Roman" panose="02020603050405020304" pitchFamily="18" charset="0"/>
+            </a:endParaRPr>
+          </a:p>
+          <a:p>
+            <a:pPr>
+              <a:lnSpc>
+                <a:spcPct val="150000"/>
+              </a:lnSpc>
+            </a:pPr>
+            <a:endParaRPr lang="en-US" dirty="0">
+              <a:latin typeface="Trebuchet MS" panose="020B0603020202020204" pitchFamily="34" charset="0"/>
+              <a:ea typeface="Times New Roman" panose="02020603050405020304" pitchFamily="18" charset="0"/>
+              <a:cs typeface="Times New Roman" panose="02020603050405020304" pitchFamily="18" charset="0"/>
+            </a:endParaRPr>
+          </a:p>
+          <a:p>
+            <a:pPr>
+              <a:lnSpc>
+                <a:spcPct val="150000"/>
+              </a:lnSpc>
+            </a:pPr>
+            <a:endParaRPr lang="en-US" dirty="0">
+              <a:latin typeface="Trebuchet MS" panose="020B0603020202020204" pitchFamily="34" charset="0"/>
+              <a:ea typeface="Times New Roman" panose="02020603050405020304" pitchFamily="18" charset="0"/>
+              <a:cs typeface="Times New Roman" panose="02020603050405020304" pitchFamily="18" charset="0"/>
+            </a:endParaRPr>
+          </a:p>
+          <a:p>
+            <a:pPr>
+              <a:lnSpc>
+                <a:spcPct val="150000"/>
+              </a:lnSpc>
+            </a:pPr>
+            <a:r>
+              <a:rPr lang="en-US" dirty="0">
+                <a:latin typeface="Trebuchet MS" panose="020B0603020202020204" pitchFamily="34" charset="0"/>
+                <a:ea typeface="Times New Roman" panose="02020603050405020304" pitchFamily="18" charset="0"/>
+                <a:cs typeface="Times New Roman" panose="02020603050405020304" pitchFamily="18" charset="0"/>
+              </a:rPr>
+              <a:t>F1 score: </a:t>
+            </a:r>
+            <a:r>
+              <a:rPr lang="en-US" b="1" dirty="0">
+                <a:solidFill>
+                  <a:srgbClr val="92D050"/>
+                </a:solidFill>
+                <a:latin typeface="Trebuchet MS" panose="020B0603020202020204" pitchFamily="34" charset="0"/>
+                <a:ea typeface="Times New Roman" panose="02020603050405020304" pitchFamily="18" charset="0"/>
+                <a:cs typeface="Times New Roman" panose="02020603050405020304" pitchFamily="18" charset="0"/>
+              </a:rPr>
+              <a:t>0.86</a:t>
+            </a:r>
+          </a:p>
+          <a:p>
+            <a:pPr marL="0" marR="0">
+              <a:lnSpc>
+                <a:spcPct val="150000"/>
+              </a:lnSpc>
+              <a:spcBef>
+                <a:spcPts val="0"/>
+              </a:spcBef>
+              <a:spcAft>
+                <a:spcPts val="0"/>
+              </a:spcAft>
+            </a:pPr>
             <a:endParaRPr lang="en-US" sz="1800" b="1" dirty="0">
               <a:solidFill>
                 <a:srgbClr val="92D050"/>
@@ -13522,10 +13925,10 @@
       </p:sp>
       <p:pic>
         <p:nvPicPr>
-          <p:cNvPr id="8" name="Picture 7">
+          <p:cNvPr id="6" name="Picture 5">
             <a:extLst>
               <a:ext uri="{FF2B5EF4-FFF2-40B4-BE49-F238E27FC236}">
-                <a16:creationId xmlns:a16="http://schemas.microsoft.com/office/drawing/2014/main" id="{03894F31-776F-4A1F-BF0E-8EF506BED29E}"/>
+                <a16:creationId xmlns:a16="http://schemas.microsoft.com/office/drawing/2014/main" id="{92FC5F97-A4D2-4D3B-972E-7BF6F680EA32}"/>
               </a:ext>
             </a:extLst>
           </p:cNvPr>
@@ -13540,14 +13943,79 @@
         </p:blipFill>
         <p:spPr>
           <a:xfrm>
-            <a:off x="4817965" y="2021367"/>
-            <a:ext cx="3694176" cy="2615184"/>
+            <a:off x="4855696" y="1579127"/>
+            <a:ext cx="3656445" cy="2730731"/>
           </a:xfrm>
           <a:prstGeom prst="rect">
             <a:avLst/>
           </a:prstGeom>
         </p:spPr>
       </p:pic>
+      <p:pic>
+        <p:nvPicPr>
+          <p:cNvPr id="7" name="Picture 6">
+            <a:extLst>
+              <a:ext uri="{FF2B5EF4-FFF2-40B4-BE49-F238E27FC236}">
+                <a16:creationId xmlns:a16="http://schemas.microsoft.com/office/drawing/2014/main" id="{5A1F392B-47FD-4FB0-9704-9B7673BF4B43}"/>
+              </a:ext>
+            </a:extLst>
+          </p:cNvPr>
+          <p:cNvPicPr/>
+          <p:nvPr/>
+        </p:nvPicPr>
+        <p:blipFill>
+          <a:blip r:embed="rId4"/>
+          <a:stretch>
+            <a:fillRect/>
+          </a:stretch>
+        </p:blipFill>
+        <p:spPr>
+          <a:xfrm>
+            <a:off x="4855696" y="5278873"/>
+            <a:ext cx="3656444" cy="646400"/>
+          </a:xfrm>
+          <a:prstGeom prst="rect">
+            <a:avLst/>
+          </a:prstGeom>
+        </p:spPr>
+      </p:pic>
+      <p:sp>
+        <p:nvSpPr>
+          <p:cNvPr id="2" name="TextBox 1">
+            <a:extLst>
+              <a:ext uri="{FF2B5EF4-FFF2-40B4-BE49-F238E27FC236}">
+                <a16:creationId xmlns:a16="http://schemas.microsoft.com/office/drawing/2014/main" id="{CEA3EBDC-9894-4207-809F-265CEADF1029}"/>
+              </a:ext>
+            </a:extLst>
+          </p:cNvPr>
+          <p:cNvSpPr txBox="1"/>
+          <p:nvPr/>
+        </p:nvSpPr>
+        <p:spPr>
+          <a:xfrm>
+            <a:off x="4855696" y="5000660"/>
+            <a:ext cx="1330814" cy="276999"/>
+          </a:xfrm>
+          <a:prstGeom prst="rect">
+            <a:avLst/>
+          </a:prstGeom>
+          <a:noFill/>
+        </p:spPr>
+        <p:txBody>
+          <a:bodyPr wrap="none" rtlCol="0">
+            <a:spAutoFit/>
+          </a:bodyPr>
+          <a:lstStyle/>
+          <a:p>
+            <a:r>
+              <a:rPr lang="en-US" sz="1200" dirty="0">
+                <a:latin typeface="Trebuchet MS" panose="020B0603020202020204" pitchFamily="34" charset="0"/>
+              </a:rPr>
+              <a:t>Confusion Matrix</a:t>
+            </a:r>
+          </a:p>
+        </p:txBody>
+      </p:sp>
     </p:spTree>
     <p:extLst>
       <p:ext uri="{BB962C8B-B14F-4D97-AF65-F5344CB8AC3E}">
@@ -13561,7 +14029,7 @@
 </p:sld>
 </file>
 
-<file path=ppt/slides/slide11.xml><?xml version="1.0" encoding="utf-8"?>
+<file path=ppt/slides/slide12.xml><?xml version="1.0" encoding="utf-8"?>
 <p:sld xmlns:a="http://schemas.openxmlformats.org/drawingml/2006/main" xmlns:r="http://schemas.openxmlformats.org/officeDocument/2006/relationships" xmlns:p="http://schemas.openxmlformats.org/presentationml/2006/main">
   <p:cSld>
     <p:spTree>
@@ -13739,7 +14207,7 @@
 </p:sld>
 </file>
 
-<file path=ppt/slides/slide12.xml><?xml version="1.0" encoding="utf-8"?>
+<file path=ppt/slides/slide13.xml><?xml version="1.0" encoding="utf-8"?>
 <p:sld xmlns:a="http://schemas.openxmlformats.org/drawingml/2006/main" xmlns:r="http://schemas.openxmlformats.org/officeDocument/2006/relationships" xmlns:p="http://schemas.openxmlformats.org/presentationml/2006/main">
   <p:cSld>
     <p:spTree>
@@ -13780,7 +14248,7 @@
             <a:fld id="{DF28FB93-0A08-4E7D-8E63-9EFA29F1E093}" type="slidenum">
               <a:rPr lang="en-US" smtClean="0"/>
               <a:pPr/>
-              <a:t>12</a:t>
+              <a:t>13</a:t>
             </a:fld>
             <a:endParaRPr lang="en-US" dirty="0"/>
           </a:p>
@@ -14004,7 +14472,75 @@
                 <a:ea typeface="Trebuchet MS" panose="020B0603020202020204" pitchFamily="34" charset="0"/>
                 <a:cs typeface="Times New Roman" panose="02020603050405020304" pitchFamily="18" charset="0"/>
               </a:rPr>
-              <a:t>Memory space usage: PS Old Gen used –</a:t>
+              <a:t>System CPU </a:t>
+            </a:r>
+            <a:r>
+              <a:rPr lang="en-US" b="1">
+                <a:latin typeface="Trebuchet MS" panose="020B0603020202020204" pitchFamily="34" charset="0"/>
+                <a:ea typeface="Trebuchet MS" panose="020B0603020202020204" pitchFamily="34" charset="0"/>
+                <a:cs typeface="Times New Roman" panose="02020603050405020304" pitchFamily="18" charset="0"/>
+              </a:rPr>
+              <a:t>–</a:t>
+            </a:r>
+            <a:r>
+              <a:rPr lang="en-US" b="1">
+                <a:solidFill>
+                  <a:srgbClr val="92D050"/>
+                </a:solidFill>
+                <a:latin typeface="Trebuchet MS" panose="020B0603020202020204" pitchFamily="34" charset="0"/>
+                <a:ea typeface="Trebuchet MS" panose="020B0603020202020204" pitchFamily="34" charset="0"/>
+                <a:cs typeface="Times New Roman" panose="02020603050405020304" pitchFamily="18" charset="0"/>
+              </a:rPr>
+              <a:t> 0.91</a:t>
+            </a:r>
+            <a:endParaRPr lang="en-US" b="1" dirty="0">
+              <a:solidFill>
+                <a:srgbClr val="92D050"/>
+              </a:solidFill>
+              <a:latin typeface="Trebuchet MS" panose="020B0603020202020204" pitchFamily="34" charset="0"/>
+              <a:ea typeface="Trebuchet MS" panose="020B0603020202020204" pitchFamily="34" charset="0"/>
+              <a:cs typeface="Times New Roman" panose="02020603050405020304" pitchFamily="18" charset="0"/>
+            </a:endParaRPr>
+          </a:p>
+          <a:p>
+            <a:pPr marL="285750" marR="0" indent="-285750">
+              <a:lnSpc>
+                <a:spcPct val="150000"/>
+              </a:lnSpc>
+              <a:spcBef>
+                <a:spcPts val="0"/>
+              </a:spcBef>
+              <a:spcAft>
+                <a:spcPts val="800"/>
+              </a:spcAft>
+              <a:buFont typeface="Arial" panose="020B0604020202020204" pitchFamily="34" charset="0"/>
+              <a:buChar char="•"/>
+            </a:pPr>
+            <a:r>
+              <a:rPr lang="en-US" sz="1800" b="1" dirty="0">
+                <a:effectLst/>
+                <a:latin typeface="Trebuchet MS" panose="020B0603020202020204" pitchFamily="34" charset="0"/>
+                <a:ea typeface="Trebuchet MS" panose="020B0603020202020204" pitchFamily="34" charset="0"/>
+                <a:cs typeface="Times New Roman" panose="02020603050405020304" pitchFamily="18" charset="0"/>
+              </a:rPr>
+              <a:t>Last GC duration: </a:t>
+            </a:r>
+            <a:r>
+              <a:rPr lang="en-US" sz="1800" b="1" dirty="0" err="1">
+                <a:effectLst/>
+                <a:latin typeface="Trebuchet MS" panose="020B0603020202020204" pitchFamily="34" charset="0"/>
+                <a:ea typeface="Trebuchet MS" panose="020B0603020202020204" pitchFamily="34" charset="0"/>
+                <a:cs typeface="Times New Roman" panose="02020603050405020304" pitchFamily="18" charset="0"/>
+              </a:rPr>
+              <a:t>Marksweep</a:t>
+            </a:r>
+            <a:r>
+              <a:rPr lang="en-US" b="1" dirty="0">
+                <a:latin typeface="Trebuchet MS" panose="020B0603020202020204" pitchFamily="34" charset="0"/>
+                <a:ea typeface="Trebuchet MS" panose="020B0603020202020204" pitchFamily="34" charset="0"/>
+                <a:cs typeface="Times New Roman" panose="02020603050405020304" pitchFamily="18" charset="0"/>
+              </a:rPr>
+              <a:t> –</a:t>
             </a:r>
             <a:r>
               <a:rPr lang="en-US" b="1" dirty="0">
@@ -14015,7 +14551,7 @@
                 <a:ea typeface="Trebuchet MS" panose="020B0603020202020204" pitchFamily="34" charset="0"/>
                 <a:cs typeface="Times New Roman" panose="02020603050405020304" pitchFamily="18" charset="0"/>
               </a:rPr>
-              <a:t> 0.165</a:t>
+              <a:t> 1897</a:t>
             </a:r>
           </a:p>
           <a:p>
@@ -14038,7 +14574,7 @@
                 <a:ea typeface="Trebuchet MS" panose="020B0603020202020204" pitchFamily="34" charset="0"/>
                 <a:cs typeface="Times New Roman" panose="02020603050405020304" pitchFamily="18" charset="0"/>
               </a:rPr>
-              <a:t>Memory space usage: PS Eden Space used –</a:t>
+              <a:t>Memory space usage: PS Eden Space used – </a:t>
             </a:r>
             <a:r>
               <a:rPr lang="en-US" b="1" dirty="0">
@@ -14049,7 +14585,7 @@
                 <a:ea typeface="Trebuchet MS" panose="020B0603020202020204" pitchFamily="34" charset="0"/>
                 <a:cs typeface="Times New Roman" panose="02020603050405020304" pitchFamily="18" charset="0"/>
               </a:rPr>
-              <a:t> 0.101</a:t>
+              <a:t>0.56</a:t>
             </a:r>
           </a:p>
           <a:p>
@@ -14072,7 +14608,7 @@
                 <a:ea typeface="Trebuchet MS" panose="020B0603020202020204" pitchFamily="34" charset="0"/>
                 <a:cs typeface="Times New Roman" panose="02020603050405020304" pitchFamily="18" charset="0"/>
               </a:rPr>
-              <a:t>Memory space usage: PS Survivor Space used – </a:t>
+              <a:t>Connection delay: source08 CPR – </a:t>
             </a:r>
             <a:r>
               <a:rPr lang="en-US" b="1" dirty="0">
@@ -14083,41 +14619,7 @@
                 <a:ea typeface="Trebuchet MS" panose="020B0603020202020204" pitchFamily="34" charset="0"/>
                 <a:cs typeface="Times New Roman" panose="02020603050405020304" pitchFamily="18" charset="0"/>
               </a:rPr>
-              <a:t>0.43</a:t>
-            </a:r>
-          </a:p>
-          <a:p>
-            <a:pPr marL="285750" marR="0" indent="-285750">
-              <a:lnSpc>
-                <a:spcPct val="150000"/>
-              </a:lnSpc>
-              <a:spcBef>
-                <a:spcPts val="0"/>
-              </a:spcBef>
-              <a:spcAft>
-                <a:spcPts val="800"/>
-              </a:spcAft>
-              <a:buFont typeface="Arial" panose="020B0604020202020204" pitchFamily="34" charset="0"/>
-              <a:buChar char="•"/>
-            </a:pPr>
-            <a:r>
-              <a:rPr lang="en-US" b="1" dirty="0">
-                <a:latin typeface="Trebuchet MS" panose="020B0603020202020204" pitchFamily="34" charset="0"/>
-                <a:ea typeface="Trebuchet MS" panose="020B0603020202020204" pitchFamily="34" charset="0"/>
-                <a:cs typeface="Times New Roman" panose="02020603050405020304" pitchFamily="18" charset="0"/>
-              </a:rPr>
-              <a:t>Process CPU: OS – </a:t>
-            </a:r>
-            <a:r>
-              <a:rPr lang="en-US" b="1" dirty="0">
-                <a:solidFill>
-                  <a:srgbClr val="92D050"/>
-                </a:solidFill>
-                <a:latin typeface="Trebuchet MS" panose="020B0603020202020204" pitchFamily="34" charset="0"/>
-                <a:ea typeface="Trebuchet MS" panose="020B0603020202020204" pitchFamily="34" charset="0"/>
-                <a:cs typeface="Times New Roman" panose="02020603050405020304" pitchFamily="18" charset="0"/>
-              </a:rPr>
-              <a:t>0.028</a:t>
+              <a:t>61</a:t>
             </a:r>
           </a:p>
           <a:p>
@@ -14158,7 +14660,7 @@
 </p:sld>
 </file>
 
-<file path=ppt/slides/slide13.xml><?xml version="1.0" encoding="utf-8"?>
+<file path=ppt/slides/slide14.xml><?xml version="1.0" encoding="utf-8"?>
 <p:sld xmlns:a="http://schemas.openxmlformats.org/drawingml/2006/main" xmlns:r="http://schemas.openxmlformats.org/officeDocument/2006/relationships" xmlns:p="http://schemas.openxmlformats.org/presentationml/2006/main">
   <p:cSld>
     <p:spTree>
@@ -14890,20 +15392,33 @@
             </a:pPr>
             <a:r>
               <a:rPr lang="en-US" sz="1800" dirty="0">
-                <a:solidFill>
-                  <a:srgbClr val="92D050"/>
-                </a:solidFill>
                 <a:effectLst/>
                 <a:latin typeface="Trebuchet MS" panose="020B0603020202020204" pitchFamily="34" charset="0"/>
                 <a:ea typeface="Times New Roman" panose="02020603050405020304" pitchFamily="18" charset="0"/>
                 <a:cs typeface="Arial" panose="020B0604020202020204" pitchFamily="34" charset="0"/>
               </a:rPr>
-              <a:t>Total thread count</a:t>
+              <a:t>Anomalies occur when </a:t>
+            </a:r>
+            <a:r>
+              <a:rPr lang="en-US" dirty="0">
+                <a:solidFill>
+                  <a:srgbClr val="92D050"/>
+                </a:solidFill>
+                <a:latin typeface="Trebuchet MS" panose="020B0603020202020204" pitchFamily="34" charset="0"/>
+                <a:ea typeface="Times New Roman" panose="02020603050405020304" pitchFamily="18" charset="0"/>
+                <a:cs typeface="Arial" panose="020B0604020202020204" pitchFamily="34" charset="0"/>
+              </a:rPr>
+              <a:t>Total thread count </a:t>
+            </a:r>
+            <a:r>
+              <a:rPr lang="en-US" dirty="0">
+                <a:latin typeface="Trebuchet MS" panose="020B0603020202020204" pitchFamily="34" charset="0"/>
+                <a:ea typeface="Times New Roman" panose="02020603050405020304" pitchFamily="18" charset="0"/>
+                <a:cs typeface="Arial" panose="020B0604020202020204" pitchFamily="34" charset="0"/>
+              </a:rPr>
+              <a:t>reaches ~115</a:t>
             </a:r>
             <a:endParaRPr lang="en-US" sz="1800" dirty="0">
-              <a:solidFill>
-                <a:srgbClr val="92D050"/>
-              </a:solidFill>
               <a:effectLst/>
               <a:latin typeface="Times New Roman" panose="02020603050405020304" pitchFamily="18" charset="0"/>
               <a:ea typeface="Times New Roman" panose="02020603050405020304" pitchFamily="18" charset="0"/>
@@ -15131,7 +15646,7 @@
         </p:nvSpPr>
         <p:spPr>
           <a:xfrm>
-            <a:off x="393087" y="2021367"/>
+            <a:off x="273701" y="2021367"/>
             <a:ext cx="4178913" cy="2615288"/>
           </a:xfrm>
           <a:prstGeom prst="rect">
@@ -15161,6 +15676,15 @@
             </a:pPr>
             <a:r>
               <a:rPr lang="en-US" sz="1800" dirty="0">
+                <a:effectLst/>
+                <a:latin typeface="Trebuchet MS" panose="020B0603020202020204" pitchFamily="34" charset="0"/>
+                <a:ea typeface="Trebuchet MS" panose="020B0603020202020204" pitchFamily="34" charset="0"/>
+                <a:cs typeface="Times New Roman" panose="02020603050405020304" pitchFamily="18" charset="0"/>
+              </a:rPr>
+              <a:t>Anomalies seen when </a:t>
+            </a:r>
+            <a:r>
+              <a:rPr lang="en-US" sz="1800" dirty="0">
                 <a:solidFill>
                   <a:srgbClr val="92D050"/>
                 </a:solidFill>
@@ -15170,6 +15694,37 @@
                 <a:cs typeface="Arial" panose="020B0604020202020204" pitchFamily="34" charset="0"/>
               </a:rPr>
               <a:t>System CPU</a:t>
+            </a:r>
+            <a:r>
+              <a:rPr lang="en-US" sz="1800" dirty="0">
+                <a:effectLst/>
+                <a:latin typeface="Trebuchet MS" panose="020B0603020202020204" pitchFamily="34" charset="0"/>
+                <a:ea typeface="Trebuchet MS" panose="020B0603020202020204" pitchFamily="34" charset="0"/>
+                <a:cs typeface="Times New Roman" panose="02020603050405020304" pitchFamily="18" charset="0"/>
+              </a:rPr>
+              <a:t> crosses ~0.85 </a:t>
+            </a:r>
+          </a:p>
+          <a:p>
+            <a:pPr marL="0" marR="0">
+              <a:lnSpc>
+                <a:spcPct val="150000"/>
+              </a:lnSpc>
+              <a:spcBef>
+                <a:spcPts val="0"/>
+              </a:spcBef>
+              <a:spcAft>
+                <a:spcPts val="0"/>
+              </a:spcAft>
+            </a:pPr>
+            <a:r>
+              <a:rPr lang="en-US" sz="1800" dirty="0">
+                <a:effectLst/>
+                <a:latin typeface="Trebuchet MS" panose="020B0603020202020204" pitchFamily="34" charset="0"/>
+                <a:ea typeface="Trebuchet MS" panose="020B0603020202020204" pitchFamily="34" charset="0"/>
+                <a:cs typeface="Times New Roman" panose="02020603050405020304" pitchFamily="18" charset="0"/>
+              </a:rPr>
+              <a:t>System recovers after dropping below 0.6</a:t>
             </a:r>
             <a:endParaRPr lang="en-US" sz="1800" dirty="0">
               <a:solidFill>
@@ -15391,6 +15946,49 @@
                 <a:cs typeface="Arial" panose="020B0604020202020204" pitchFamily="34" charset="0"/>
               </a:rPr>
               <a:t>Marksweep</a:t>
+            </a:r>
+            <a:r>
+              <a:rPr lang="en-US" sz="1800" dirty="0">
+                <a:solidFill>
+                  <a:srgbClr val="92D050"/>
+                </a:solidFill>
+                <a:effectLst/>
+                <a:latin typeface="Trebuchet MS" panose="020B0603020202020204" pitchFamily="34" charset="0"/>
+                <a:ea typeface="Times New Roman" panose="02020603050405020304" pitchFamily="18" charset="0"/>
+                <a:cs typeface="Arial" panose="020B0604020202020204" pitchFamily="34" charset="0"/>
+              </a:rPr>
+              <a:t> </a:t>
+            </a:r>
+            <a:r>
+              <a:rPr lang="en-US" sz="1800" dirty="0">
+                <a:effectLst/>
+                <a:latin typeface="Trebuchet MS" panose="020B0603020202020204" pitchFamily="34" charset="0"/>
+                <a:ea typeface="Times New Roman" panose="02020603050405020304" pitchFamily="18" charset="0"/>
+                <a:cs typeface="Arial" panose="020B0604020202020204" pitchFamily="34" charset="0"/>
+              </a:rPr>
+              <a:t>is normally one. </a:t>
+            </a:r>
+          </a:p>
+          <a:p>
+            <a:pPr marL="0" marR="0">
+              <a:lnSpc>
+                <a:spcPct val="150000"/>
+              </a:lnSpc>
+              <a:spcBef>
+                <a:spcPts val="0"/>
+              </a:spcBef>
+              <a:spcAft>
+                <a:spcPts val="0"/>
+              </a:spcAft>
+            </a:pPr>
+            <a:r>
+              <a:rPr lang="en-US" sz="1800" dirty="0">
+                <a:effectLst/>
+                <a:latin typeface="Trebuchet MS" panose="020B0603020202020204" pitchFamily="34" charset="0"/>
+                <a:ea typeface="Times New Roman" panose="02020603050405020304" pitchFamily="18" charset="0"/>
+                <a:cs typeface="Arial" panose="020B0604020202020204" pitchFamily="34" charset="0"/>
+              </a:rPr>
+              <a:t>Spikes to 3.5 when anomalies occur.</a:t>
             </a:r>
             <a:endParaRPr lang="en-US" sz="1800" dirty="0">
               <a:solidFill>
@@ -15619,6 +16217,47 @@
             </a:pPr>
             <a:r>
               <a:rPr lang="fr-FR" sz="1800" dirty="0">
+                <a:effectLst/>
+                <a:latin typeface="Trebuchet MS" panose="020B0603020202020204" pitchFamily="34" charset="0"/>
+                <a:ea typeface="Trebuchet MS" panose="020B0603020202020204" pitchFamily="34" charset="0"/>
+                <a:cs typeface="Times New Roman" panose="02020603050405020304" pitchFamily="18" charset="0"/>
+              </a:rPr>
+              <a:t>Failure </a:t>
+            </a:r>
+            <a:r>
+              <a:rPr lang="fr-FR" dirty="0" err="1">
+                <a:latin typeface="Trebuchet MS" panose="020B0603020202020204" pitchFamily="34" charset="0"/>
+                <a:ea typeface="Trebuchet MS" panose="020B0603020202020204" pitchFamily="34" charset="0"/>
+                <a:cs typeface="Times New Roman" panose="02020603050405020304" pitchFamily="18" charset="0"/>
+              </a:rPr>
+              <a:t>occurs</a:t>
+            </a:r>
+            <a:r>
+              <a:rPr lang="fr-FR" dirty="0">
+                <a:latin typeface="Trebuchet MS" panose="020B0603020202020204" pitchFamily="34" charset="0"/>
+                <a:ea typeface="Trebuchet MS" panose="020B0603020202020204" pitchFamily="34" charset="0"/>
+                <a:cs typeface="Times New Roman" panose="02020603050405020304" pitchFamily="18" charset="0"/>
+              </a:rPr>
+              <a:t> </a:t>
+            </a:r>
+            <a:r>
+              <a:rPr lang="fr-FR" dirty="0" err="1">
+                <a:latin typeface="Trebuchet MS" panose="020B0603020202020204" pitchFamily="34" charset="0"/>
+                <a:ea typeface="Trebuchet MS" panose="020B0603020202020204" pitchFamily="34" charset="0"/>
+                <a:cs typeface="Times New Roman" panose="02020603050405020304" pitchFamily="18" charset="0"/>
+              </a:rPr>
+              <a:t>when</a:t>
+            </a:r>
+            <a:r>
+              <a:rPr lang="fr-FR" dirty="0">
+                <a:latin typeface="Trebuchet MS" panose="020B0603020202020204" pitchFamily="34" charset="0"/>
+                <a:ea typeface="Trebuchet MS" panose="020B0603020202020204" pitchFamily="34" charset="0"/>
+                <a:cs typeface="Times New Roman" panose="02020603050405020304" pitchFamily="18" charset="0"/>
+              </a:rPr>
+              <a:t> </a:t>
+            </a:r>
+            <a:r>
+              <a:rPr lang="fr-FR" sz="1800" dirty="0">
                 <a:solidFill>
                   <a:srgbClr val="92D050"/>
                 </a:solidFill>
@@ -15627,7 +16266,25 @@
                 <a:ea typeface="Trebuchet MS" panose="020B0603020202020204" pitchFamily="34" charset="0"/>
                 <a:cs typeface="Times New Roman" panose="02020603050405020304" pitchFamily="18" charset="0"/>
               </a:rPr>
-              <a:t>Active connections: source09 CPR</a:t>
+              <a:t>Active connections: source09 CPR </a:t>
+            </a:r>
+            <a:r>
+              <a:rPr lang="fr-FR" sz="1800" dirty="0" err="1">
+                <a:effectLst/>
+                <a:latin typeface="Trebuchet MS" panose="020B0603020202020204" pitchFamily="34" charset="0"/>
+                <a:ea typeface="Trebuchet MS" panose="020B0603020202020204" pitchFamily="34" charset="0"/>
+                <a:cs typeface="Times New Roman" panose="02020603050405020304" pitchFamily="18" charset="0"/>
+              </a:rPr>
+              <a:t>reach</a:t>
+            </a:r>
+            <a:r>
+              <a:rPr lang="fr-FR" sz="1800" dirty="0">
+                <a:effectLst/>
+                <a:latin typeface="Trebuchet MS" panose="020B0603020202020204" pitchFamily="34" charset="0"/>
+                <a:ea typeface="Trebuchet MS" panose="020B0603020202020204" pitchFamily="34" charset="0"/>
+                <a:cs typeface="Times New Roman" panose="02020603050405020304" pitchFamily="18" charset="0"/>
+              </a:rPr>
+              <a:t> 35 connections. </a:t>
             </a:r>
             <a:endParaRPr lang="en-US" sz="1800" dirty="0">
               <a:solidFill>
@@ -15856,6 +16513,15 @@
             </a:pPr>
             <a:r>
               <a:rPr lang="en-US" sz="1800" dirty="0">
+                <a:effectLst/>
+                <a:latin typeface="Trebuchet MS" panose="020B0603020202020204" pitchFamily="34" charset="0"/>
+                <a:ea typeface="Trebuchet MS" panose="020B0603020202020204" pitchFamily="34" charset="0"/>
+                <a:cs typeface="Times New Roman" panose="02020603050405020304" pitchFamily="18" charset="0"/>
+              </a:rPr>
+              <a:t>Anomalies seen after multiple consecutive spikes over 0.8 in </a:t>
+            </a:r>
+            <a:r>
+              <a:rPr lang="en-US" sz="1800" dirty="0">
                 <a:solidFill>
                   <a:srgbClr val="92D050"/>
                 </a:solidFill>
@@ -16157,7 +16823,7 @@
   <p:cSld>
     <p:spTree>
       <p:nvGrpSpPr>
-        <p:cNvPr id="1" name="Shape 19"/>
+        <p:cNvPr id="1" name=""/>
         <p:cNvGrpSpPr/>
         <p:nvPr/>
       </p:nvGrpSpPr>
@@ -16171,150 +16837,91 @@
       </p:grpSpPr>
       <p:sp>
         <p:nvSpPr>
-          <p:cNvPr id="45" name="Google Shape;45;p1"/>
-          <p:cNvSpPr/>
-          <p:nvPr/>
-        </p:nvSpPr>
-        <p:spPr>
-          <a:xfrm>
-            <a:off x="121750" y="116631"/>
-            <a:ext cx="7724912" cy="1137079"/>
-          </a:xfrm>
-          <a:prstGeom prst="wedgeRectCallout">
-            <a:avLst>
-              <a:gd name="adj1" fmla="val 53513"/>
-              <a:gd name="adj2" fmla="val 6588"/>
-            </a:avLst>
-          </a:prstGeom>
-          <a:noFill/>
-          <a:ln>
-            <a:noFill/>
-          </a:ln>
-        </p:spPr>
-        <p:txBody>
-          <a:bodyPr spcFirstLastPara="1" wrap="square" lIns="91425" tIns="45700" rIns="91425" bIns="45700" anchor="ctr" anchorCtr="0">
-            <a:noAutofit/>
-          </a:bodyPr>
-          <a:lstStyle/>
-          <a:p>
-            <a:pPr marL="0" marR="0" lvl="0" indent="0" algn="ctr" rtl="0">
-              <a:lnSpc>
-                <a:spcPct val="100000"/>
-              </a:lnSpc>
-              <a:spcBef>
-                <a:spcPts val="0"/>
-              </a:spcBef>
-              <a:spcAft>
-                <a:spcPts val="0"/>
-              </a:spcAft>
-              <a:buClr>
-                <a:srgbClr val="000000"/>
-              </a:buClr>
-              <a:buSzPts val="1800"/>
-              <a:buFont typeface="Arial"/>
-              <a:buNone/>
-            </a:pPr>
-            <a:endParaRPr sz="1800" b="0" i="0" u="none" strike="noStrike" cap="none">
-              <a:solidFill>
-                <a:schemeClr val="dk1"/>
-              </a:solidFill>
-              <a:latin typeface="Arial"/>
-              <a:ea typeface="Arial"/>
-              <a:cs typeface="Arial"/>
-              <a:sym typeface="Arial"/>
-            </a:endParaRPr>
-          </a:p>
-        </p:txBody>
-      </p:sp>
-      <p:sp>
-        <p:nvSpPr>
-          <p:cNvPr id="46" name="Google Shape;46;p1"/>
-          <p:cNvSpPr txBox="1">
+          <p:cNvPr id="2" name="Slide Number Placeholder 1">
+            <a:extLst>
+              <a:ext uri="{FF2B5EF4-FFF2-40B4-BE49-F238E27FC236}">
+                <a16:creationId xmlns:a16="http://schemas.microsoft.com/office/drawing/2014/main" id="{6FFE2B6E-DE00-429A-A848-3EBBE6A97523}"/>
+              </a:ext>
+            </a:extLst>
+          </p:cNvPr>
+          <p:cNvSpPr>
             <a:spLocks noGrp="1"/>
           </p:cNvSpPr>
           <p:nvPr>
-            <p:ph type="title"/>
+            <p:ph type="sldNum" sz="quarter" idx="12"/>
           </p:nvPr>
         </p:nvSpPr>
+        <p:spPr/>
+        <p:txBody>
+          <a:bodyPr/>
+          <a:lstStyle/>
+          <a:p>
+            <a:fld id="{DF28FB93-0A08-4E7D-8E63-9EFA29F1E093}" type="slidenum">
+              <a:rPr lang="en-US" smtClean="0"/>
+              <a:pPr/>
+              <a:t>9</a:t>
+            </a:fld>
+            <a:endParaRPr lang="en-US" dirty="0"/>
+          </a:p>
+        </p:txBody>
+      </p:sp>
+      <p:pic>
+        <p:nvPicPr>
+          <p:cNvPr id="3" name="Picture 2">
+            <a:extLst>
+              <a:ext uri="{FF2B5EF4-FFF2-40B4-BE49-F238E27FC236}">
+                <a16:creationId xmlns:a16="http://schemas.microsoft.com/office/drawing/2014/main" id="{09B5370A-F1D1-48B1-BEFD-4898EAD60EC9}"/>
+              </a:ext>
+            </a:extLst>
+          </p:cNvPr>
+          <p:cNvPicPr/>
+          <p:nvPr/>
+        </p:nvPicPr>
+        <p:blipFill>
+          <a:blip r:embed="rId2"/>
+          <a:stretch>
+            <a:fillRect/>
+          </a:stretch>
+        </p:blipFill>
         <p:spPr>
           <a:xfrm>
-            <a:off x="393088" y="442048"/>
-            <a:ext cx="8119053" cy="307777"/>
+            <a:off x="2743200" y="173182"/>
+            <a:ext cx="6400800" cy="6400800"/>
+          </a:xfrm>
+          <a:prstGeom prst="rect">
+            <a:avLst/>
+          </a:prstGeom>
+        </p:spPr>
+      </p:pic>
+      <p:sp>
+        <p:nvSpPr>
+          <p:cNvPr id="4" name="TextBox 3">
+            <a:extLst>
+              <a:ext uri="{FF2B5EF4-FFF2-40B4-BE49-F238E27FC236}">
+                <a16:creationId xmlns:a16="http://schemas.microsoft.com/office/drawing/2014/main" id="{AC5A8A22-8E6B-4F57-9D8B-4689666204B2}"/>
+              </a:ext>
+            </a:extLst>
+          </p:cNvPr>
+          <p:cNvSpPr txBox="1"/>
+          <p:nvPr/>
+        </p:nvSpPr>
+        <p:spPr>
+          <a:xfrm>
+            <a:off x="295562" y="4548772"/>
+            <a:ext cx="2493819" cy="1443408"/>
           </a:xfrm>
           <a:prstGeom prst="rect">
             <a:avLst/>
           </a:prstGeom>
           <a:noFill/>
-          <a:ln>
-            <a:noFill/>
-          </a:ln>
         </p:spPr>
         <p:txBody>
-          <a:bodyPr spcFirstLastPara="1" wrap="square" lIns="0" tIns="0" rIns="0" bIns="0" anchor="t" anchorCtr="0">
-            <a:noAutofit/>
+          <a:bodyPr wrap="square" rtlCol="0">
+            <a:spAutoFit/>
           </a:bodyPr>
           <a:lstStyle/>
           <a:p>
-            <a:pPr marL="0" lvl="0" indent="0" algn="l" rtl="0">
-              <a:lnSpc>
-                <a:spcPct val="100000"/>
-              </a:lnSpc>
-              <a:spcBef>
-                <a:spcPts val="0"/>
-              </a:spcBef>
-              <a:spcAft>
-                <a:spcPts val="0"/>
-              </a:spcAft>
-              <a:buSzPts val="1400"/>
-              <a:buNone/>
-            </a:pPr>
-            <a:r>
-              <a:rPr lang="en-AU" sz="1600" dirty="0" err="1">
-                <a:solidFill>
-                  <a:schemeClr val="tx1"/>
-                </a:solidFill>
-                <a:latin typeface="Trebuchet MS" panose="020B0603020202020204" pitchFamily="34" charset="0"/>
-                <a:ea typeface="Quattrocento Sans"/>
-                <a:cs typeface="Quattrocento Sans"/>
-                <a:sym typeface="Quattrocento Sans"/>
-              </a:rPr>
-              <a:t>Modeling</a:t>
-            </a:r>
-            <a:endParaRPr lang="en-AU" sz="1600" dirty="0">
-              <a:solidFill>
-                <a:schemeClr val="tx1"/>
-              </a:solidFill>
-              <a:latin typeface="Trebuchet MS" panose="020B0603020202020204" pitchFamily="34" charset="0"/>
-            </a:endParaRPr>
-          </a:p>
-        </p:txBody>
-      </p:sp>
-      <p:sp>
-        <p:nvSpPr>
-          <p:cNvPr id="48" name="Google Shape;48;p1"/>
-          <p:cNvSpPr txBox="1"/>
-          <p:nvPr/>
-        </p:nvSpPr>
-        <p:spPr>
-          <a:xfrm>
-            <a:off x="404361" y="2177347"/>
-            <a:ext cx="8335277" cy="3549199"/>
-          </a:xfrm>
-          <a:prstGeom prst="rect">
-            <a:avLst/>
-          </a:prstGeom>
-          <a:noFill/>
-          <a:ln>
-            <a:noFill/>
-          </a:ln>
-        </p:spPr>
-        <p:txBody>
-          <a:bodyPr spcFirstLastPara="1" wrap="square" lIns="91425" tIns="45700" rIns="91425" bIns="45700" anchor="t" anchorCtr="0">
-            <a:noAutofit/>
-          </a:bodyPr>
-          <a:lstStyle/>
-          <a:p>
-            <a:pPr marL="285750" marR="0" indent="-285750">
+            <a:pPr marL="342900" marR="0" lvl="0" indent="-342900">
               <a:lnSpc>
                 <a:spcPct val="150000"/>
               </a:lnSpc>
@@ -16322,44 +16929,13 @@
                 <a:spcPts val="0"/>
               </a:spcBef>
               <a:spcAft>
-                <a:spcPts val="800"/>
-              </a:spcAft>
-              <a:buFont typeface="Arial" panose="020B0604020202020204" pitchFamily="34" charset="0"/>
-              <a:buChar char="•"/>
-            </a:pPr>
-            <a:r>
-              <a:rPr lang="en-US" dirty="0">
-                <a:latin typeface="Trebuchet MS" panose="020B0603020202020204" pitchFamily="34" charset="0"/>
-                <a:ea typeface="Trebuchet MS" panose="020B0603020202020204" pitchFamily="34" charset="0"/>
-                <a:cs typeface="Times New Roman" panose="02020603050405020304" pitchFamily="18" charset="0"/>
-              </a:rPr>
-              <a:t>Algorithms compared – Random Forest, Logistic Regression, XG Boost</a:t>
-            </a:r>
-          </a:p>
-          <a:p>
-            <a:pPr marL="285750" marR="0" indent="-285750">
-              <a:lnSpc>
-                <a:spcPct val="150000"/>
-              </a:lnSpc>
-              <a:spcBef>
-                <a:spcPts val="0"/>
-              </a:spcBef>
-              <a:spcAft>
-                <a:spcPts val="800"/>
-              </a:spcAft>
-              <a:buFont typeface="Arial" panose="020B0604020202020204" pitchFamily="34" charset="0"/>
-              <a:buChar char="•"/>
-            </a:pPr>
-            <a:r>
-              <a:rPr lang="en-US" dirty="0">
-                <a:latin typeface="Trebuchet MS" panose="020B0603020202020204" pitchFamily="34" charset="0"/>
-                <a:ea typeface="Trebuchet MS" panose="020B0603020202020204" pitchFamily="34" charset="0"/>
-                <a:cs typeface="Times New Roman" panose="02020603050405020304" pitchFamily="18" charset="0"/>
-              </a:rPr>
-              <a:t>Metric for scoring – </a:t>
-            </a:r>
-            <a:r>
-              <a:rPr lang="en-US" b="1" dirty="0">
+                <a:spcPts val="0"/>
+              </a:spcAft>
+              <a:buFont typeface="Symbol" panose="05050102010706020507" pitchFamily="18" charset="2"/>
+              <a:buChar char=""/>
+            </a:pPr>
+            <a:r>
+              <a:rPr lang="en-US" sz="1200" dirty="0">
                 <a:solidFill>
                   <a:srgbClr val="92D050"/>
                 </a:solidFill>
@@ -16367,41 +16943,450 @@
                 <a:ea typeface="Trebuchet MS" panose="020B0603020202020204" pitchFamily="34" charset="0"/>
                 <a:cs typeface="Times New Roman" panose="02020603050405020304" pitchFamily="18" charset="0"/>
               </a:rPr>
-              <a:t>Area under ROC curve</a:t>
-            </a:r>
-          </a:p>
-          <a:p>
-            <a:pPr marL="285750" marR="0" indent="-285750">
-              <a:lnSpc>
-                <a:spcPct val="150000"/>
-              </a:lnSpc>
-              <a:spcBef>
-                <a:spcPts val="0"/>
-              </a:spcBef>
-              <a:spcAft>
-                <a:spcPts val="800"/>
-              </a:spcAft>
-              <a:buFont typeface="Arial" panose="020B0604020202020204" pitchFamily="34" charset="0"/>
-              <a:buChar char="•"/>
-            </a:pPr>
-            <a:r>
-              <a:rPr lang="en-US" dirty="0">
+              <a:t>T</a:t>
+            </a:r>
+            <a:r>
+              <a:rPr lang="en-US" sz="1200" dirty="0">
+                <a:solidFill>
+                  <a:srgbClr val="92D050"/>
+                </a:solidFill>
+                <a:effectLst/>
                 <a:latin typeface="Trebuchet MS" panose="020B0603020202020204" pitchFamily="34" charset="0"/>
                 <a:ea typeface="Trebuchet MS" panose="020B0603020202020204" pitchFamily="34" charset="0"/>
                 <a:cs typeface="Times New Roman" panose="02020603050405020304" pitchFamily="18" charset="0"/>
               </a:rPr>
-              <a:t>Algorithm chosen – </a:t>
-            </a:r>
-            <a:r>
-              <a:rPr lang="en-US" b="1" dirty="0">
+              <a:t>hread counts spike &gt; system and process CPU spike</a:t>
+            </a:r>
+          </a:p>
+          <a:p>
+            <a:pPr marL="342900" marR="0" lvl="0" indent="-342900">
+              <a:lnSpc>
+                <a:spcPct val="150000"/>
+              </a:lnSpc>
+              <a:spcBef>
+                <a:spcPts val="0"/>
+              </a:spcBef>
+              <a:spcAft>
+                <a:spcPts val="800"/>
+              </a:spcAft>
+              <a:buFont typeface="Symbol" panose="05050102010706020507" pitchFamily="18" charset="2"/>
+              <a:buChar char=""/>
+            </a:pPr>
+            <a:r>
+              <a:rPr lang="en-US" sz="1200" dirty="0">
                 <a:solidFill>
                   <a:srgbClr val="92D050"/>
+                </a:solidFill>
+                <a:effectLst/>
+                <a:latin typeface="Trebuchet MS" panose="020B0603020202020204" pitchFamily="34" charset="0"/>
+                <a:ea typeface="Trebuchet MS" panose="020B0603020202020204" pitchFamily="34" charset="0"/>
+                <a:cs typeface="Times New Roman" panose="02020603050405020304" pitchFamily="18" charset="0"/>
+              </a:rPr>
+              <a:t>System and process CPU spike &gt; delays spike</a:t>
+            </a:r>
+          </a:p>
+        </p:txBody>
+      </p:sp>
+      <p:sp>
+        <p:nvSpPr>
+          <p:cNvPr id="5" name="Rectangle 4">
+            <a:extLst>
+              <a:ext uri="{FF2B5EF4-FFF2-40B4-BE49-F238E27FC236}">
+                <a16:creationId xmlns:a16="http://schemas.microsoft.com/office/drawing/2014/main" id="{DEF296F5-B531-4125-9422-B3F77C96D402}"/>
+              </a:ext>
+            </a:extLst>
+          </p:cNvPr>
+          <p:cNvSpPr/>
+          <p:nvPr/>
+        </p:nvSpPr>
+        <p:spPr>
+          <a:xfrm>
+            <a:off x="5126181" y="4387272"/>
+            <a:ext cx="1921163" cy="2022764"/>
+          </a:xfrm>
+          <a:prstGeom prst="rect">
+            <a:avLst/>
+          </a:prstGeom>
+          <a:noFill/>
+          <a:ln w="28575">
+            <a:solidFill>
+              <a:srgbClr val="92D050"/>
+            </a:solidFill>
+          </a:ln>
+        </p:spPr>
+        <p:style>
+          <a:lnRef idx="2">
+            <a:schemeClr val="accent1">
+              <a:shade val="50000"/>
+            </a:schemeClr>
+          </a:lnRef>
+          <a:fillRef idx="1">
+            <a:schemeClr val="accent1"/>
+          </a:fillRef>
+          <a:effectRef idx="0">
+            <a:schemeClr val="accent1"/>
+          </a:effectRef>
+          <a:fontRef idx="minor">
+            <a:schemeClr val="lt1"/>
+          </a:fontRef>
+        </p:style>
+        <p:txBody>
+          <a:bodyPr rtlCol="0" anchor="ctr"/>
+          <a:lstStyle/>
+          <a:p>
+            <a:pPr algn="ctr"/>
+            <a:endParaRPr lang="en-US" dirty="0"/>
+          </a:p>
+        </p:txBody>
+      </p:sp>
+      <p:sp>
+        <p:nvSpPr>
+          <p:cNvPr id="6" name="Rectangle 5">
+            <a:extLst>
+              <a:ext uri="{FF2B5EF4-FFF2-40B4-BE49-F238E27FC236}">
+                <a16:creationId xmlns:a16="http://schemas.microsoft.com/office/drawing/2014/main" id="{31C337EC-04D9-4128-9CB4-DA327E16A1EB}"/>
+              </a:ext>
+            </a:extLst>
+          </p:cNvPr>
+          <p:cNvSpPr/>
+          <p:nvPr/>
+        </p:nvSpPr>
+        <p:spPr>
+          <a:xfrm>
+            <a:off x="3135747" y="4378036"/>
+            <a:ext cx="1921163" cy="2022764"/>
+          </a:xfrm>
+          <a:prstGeom prst="rect">
+            <a:avLst/>
+          </a:prstGeom>
+          <a:noFill/>
+          <a:ln w="28575">
+            <a:solidFill>
+              <a:srgbClr val="92D050"/>
+            </a:solidFill>
+          </a:ln>
+        </p:spPr>
+        <p:style>
+          <a:lnRef idx="2">
+            <a:schemeClr val="accent1">
+              <a:shade val="50000"/>
+            </a:schemeClr>
+          </a:lnRef>
+          <a:fillRef idx="1">
+            <a:schemeClr val="accent1"/>
+          </a:fillRef>
+          <a:effectRef idx="0">
+            <a:schemeClr val="accent1"/>
+          </a:effectRef>
+          <a:fontRef idx="minor">
+            <a:schemeClr val="lt1"/>
+          </a:fontRef>
+        </p:style>
+        <p:txBody>
+          <a:bodyPr rtlCol="0" anchor="ctr"/>
+          <a:lstStyle/>
+          <a:p>
+            <a:pPr algn="ctr"/>
+            <a:endParaRPr lang="en-US" dirty="0"/>
+          </a:p>
+        </p:txBody>
+      </p:sp>
+      <p:sp>
+        <p:nvSpPr>
+          <p:cNvPr id="7" name="Rectangle 6">
+            <a:extLst>
+              <a:ext uri="{FF2B5EF4-FFF2-40B4-BE49-F238E27FC236}">
+                <a16:creationId xmlns:a16="http://schemas.microsoft.com/office/drawing/2014/main" id="{03A466CF-94D5-4DBC-B53F-F1B3739C4ACF}"/>
+              </a:ext>
+            </a:extLst>
+          </p:cNvPr>
+          <p:cNvSpPr/>
+          <p:nvPr/>
+        </p:nvSpPr>
+        <p:spPr>
+          <a:xfrm>
+            <a:off x="7102762" y="4378036"/>
+            <a:ext cx="1921163" cy="2022764"/>
+          </a:xfrm>
+          <a:prstGeom prst="rect">
+            <a:avLst/>
+          </a:prstGeom>
+          <a:noFill/>
+          <a:ln w="28575">
+            <a:solidFill>
+              <a:srgbClr val="FFC000"/>
+            </a:solidFill>
+          </a:ln>
+        </p:spPr>
+        <p:style>
+          <a:lnRef idx="2">
+            <a:schemeClr val="accent1">
+              <a:shade val="50000"/>
+            </a:schemeClr>
+          </a:lnRef>
+          <a:fillRef idx="1">
+            <a:schemeClr val="accent1"/>
+          </a:fillRef>
+          <a:effectRef idx="0">
+            <a:schemeClr val="accent1"/>
+          </a:effectRef>
+          <a:fontRef idx="minor">
+            <a:schemeClr val="lt1"/>
+          </a:fontRef>
+        </p:style>
+        <p:txBody>
+          <a:bodyPr rtlCol="0" anchor="ctr"/>
+          <a:lstStyle/>
+          <a:p>
+            <a:pPr algn="ctr"/>
+            <a:endParaRPr lang="en-US" dirty="0"/>
+          </a:p>
+        </p:txBody>
+      </p:sp>
+      <p:sp>
+        <p:nvSpPr>
+          <p:cNvPr id="8" name="Rectangle 7">
+            <a:extLst>
+              <a:ext uri="{FF2B5EF4-FFF2-40B4-BE49-F238E27FC236}">
+                <a16:creationId xmlns:a16="http://schemas.microsoft.com/office/drawing/2014/main" id="{1C36A7B2-1A97-4711-91BE-D516DA9CF27A}"/>
+              </a:ext>
+            </a:extLst>
+          </p:cNvPr>
+          <p:cNvSpPr/>
+          <p:nvPr/>
+        </p:nvSpPr>
+        <p:spPr>
+          <a:xfrm>
+            <a:off x="5121564" y="2336800"/>
+            <a:ext cx="1921163" cy="2022764"/>
+          </a:xfrm>
+          <a:prstGeom prst="rect">
+            <a:avLst/>
+          </a:prstGeom>
+          <a:noFill/>
+          <a:ln w="28575">
+            <a:solidFill>
+              <a:srgbClr val="FFC000"/>
+            </a:solidFill>
+          </a:ln>
+        </p:spPr>
+        <p:style>
+          <a:lnRef idx="2">
+            <a:schemeClr val="accent1">
+              <a:shade val="50000"/>
+            </a:schemeClr>
+          </a:lnRef>
+          <a:fillRef idx="1">
+            <a:schemeClr val="accent1"/>
+          </a:fillRef>
+          <a:effectRef idx="0">
+            <a:schemeClr val="accent1"/>
+          </a:effectRef>
+          <a:fontRef idx="minor">
+            <a:schemeClr val="lt1"/>
+          </a:fontRef>
+        </p:style>
+        <p:txBody>
+          <a:bodyPr rtlCol="0" anchor="ctr"/>
+          <a:lstStyle/>
+          <a:p>
+            <a:pPr algn="ctr"/>
+            <a:endParaRPr lang="en-US" dirty="0"/>
+          </a:p>
+        </p:txBody>
+      </p:sp>
+      <p:sp>
+        <p:nvSpPr>
+          <p:cNvPr id="9" name="Rectangle 8">
+            <a:extLst>
+              <a:ext uri="{FF2B5EF4-FFF2-40B4-BE49-F238E27FC236}">
+                <a16:creationId xmlns:a16="http://schemas.microsoft.com/office/drawing/2014/main" id="{046E9F5F-0A76-4BBD-B340-96BA04FBAF7A}"/>
+              </a:ext>
+            </a:extLst>
+          </p:cNvPr>
+          <p:cNvSpPr/>
+          <p:nvPr/>
+        </p:nvSpPr>
+        <p:spPr>
+          <a:xfrm>
+            <a:off x="3135747" y="284017"/>
+            <a:ext cx="1921163" cy="2022764"/>
+          </a:xfrm>
+          <a:prstGeom prst="rect">
+            <a:avLst/>
+          </a:prstGeom>
+          <a:noFill/>
+          <a:ln w="28575">
+            <a:solidFill>
+              <a:srgbClr val="FFC000"/>
+            </a:solidFill>
+          </a:ln>
+        </p:spPr>
+        <p:style>
+          <a:lnRef idx="2">
+            <a:schemeClr val="accent1">
+              <a:shade val="50000"/>
+            </a:schemeClr>
+          </a:lnRef>
+          <a:fillRef idx="1">
+            <a:schemeClr val="accent1"/>
+          </a:fillRef>
+          <a:effectRef idx="0">
+            <a:schemeClr val="accent1"/>
+          </a:effectRef>
+          <a:fontRef idx="minor">
+            <a:schemeClr val="lt1"/>
+          </a:fontRef>
+        </p:style>
+        <p:txBody>
+          <a:bodyPr rtlCol="0" anchor="ctr"/>
+          <a:lstStyle/>
+          <a:p>
+            <a:pPr algn="ctr"/>
+            <a:endParaRPr lang="en-US" dirty="0"/>
+          </a:p>
+        </p:txBody>
+      </p:sp>
+      <p:sp>
+        <p:nvSpPr>
+          <p:cNvPr id="10" name="TextBox 9">
+            <a:extLst>
+              <a:ext uri="{FF2B5EF4-FFF2-40B4-BE49-F238E27FC236}">
+                <a16:creationId xmlns:a16="http://schemas.microsoft.com/office/drawing/2014/main" id="{CA73C8ED-40D9-4918-B3F0-15E3354679F3}"/>
+              </a:ext>
+            </a:extLst>
+          </p:cNvPr>
+          <p:cNvSpPr txBox="1"/>
+          <p:nvPr/>
+        </p:nvSpPr>
+        <p:spPr>
+          <a:xfrm>
+            <a:off x="341743" y="1587524"/>
+            <a:ext cx="2493819" cy="2274405"/>
+          </a:xfrm>
+          <a:prstGeom prst="rect">
+            <a:avLst/>
+          </a:prstGeom>
+          <a:noFill/>
+        </p:spPr>
+        <p:txBody>
+          <a:bodyPr wrap="square" rtlCol="0">
+            <a:spAutoFit/>
+          </a:bodyPr>
+          <a:lstStyle/>
+          <a:p>
+            <a:pPr marR="0" lvl="0">
+              <a:lnSpc>
+                <a:spcPct val="150000"/>
+              </a:lnSpc>
+              <a:spcBef>
+                <a:spcPts val="0"/>
+              </a:spcBef>
+              <a:spcAft>
+                <a:spcPts val="0"/>
+              </a:spcAft>
+            </a:pPr>
+            <a:r>
+              <a:rPr lang="en-US" sz="1200" dirty="0">
+                <a:solidFill>
+                  <a:srgbClr val="FFC000"/>
+                </a:solidFill>
+                <a:effectLst/>
+                <a:latin typeface="Trebuchet MS" panose="020B0603020202020204" pitchFamily="34" charset="0"/>
+                <a:ea typeface="Trebuchet MS" panose="020B0603020202020204" pitchFamily="34" charset="0"/>
+                <a:cs typeface="Times New Roman" panose="02020603050405020304" pitchFamily="18" charset="0"/>
+              </a:rPr>
+              <a:t>Highly correlated features:</a:t>
+            </a:r>
+          </a:p>
+          <a:p>
+            <a:pPr marL="171450" marR="0" lvl="0" indent="-171450">
+              <a:lnSpc>
+                <a:spcPct val="150000"/>
+              </a:lnSpc>
+              <a:spcBef>
+                <a:spcPts val="0"/>
+              </a:spcBef>
+              <a:spcAft>
+                <a:spcPts val="0"/>
+              </a:spcAft>
+              <a:buFont typeface="Arial" panose="020B0604020202020204" pitchFamily="34" charset="0"/>
+              <a:buChar char="•"/>
+            </a:pPr>
+            <a:r>
+              <a:rPr lang="en-US" sz="1200" dirty="0">
+                <a:effectLst/>
+                <a:latin typeface="Trebuchet MS" panose="020B0603020202020204" pitchFamily="34" charset="0"/>
+                <a:ea typeface="Trebuchet MS" panose="020B0603020202020204" pitchFamily="34" charset="0"/>
+                <a:cs typeface="Times New Roman" panose="02020603050405020304" pitchFamily="18" charset="0"/>
+              </a:rPr>
+              <a:t>Connection</a:t>
+            </a:r>
+            <a:r>
+              <a:rPr lang="en-US" sz="1200" dirty="0">
+                <a:solidFill>
+                  <a:srgbClr val="FFC000"/>
                 </a:solidFill>
                 <a:latin typeface="Trebuchet MS" panose="020B0603020202020204" pitchFamily="34" charset="0"/>
                 <a:ea typeface="Trebuchet MS" panose="020B0603020202020204" pitchFamily="34" charset="0"/>
                 <a:cs typeface="Times New Roman" panose="02020603050405020304" pitchFamily="18" charset="0"/>
               </a:rPr>
-              <a:t>XG Boost Classifier</a:t>
+              <a:t> </a:t>
+            </a:r>
+            <a:r>
+              <a:rPr lang="en-US" sz="1200" dirty="0">
+                <a:latin typeface="Trebuchet MS" panose="020B0603020202020204" pitchFamily="34" charset="0"/>
+                <a:ea typeface="Trebuchet MS" panose="020B0603020202020204" pitchFamily="34" charset="0"/>
+                <a:cs typeface="Times New Roman" panose="02020603050405020304" pitchFamily="18" charset="0"/>
+              </a:rPr>
+              <a:t>delay: source01 CPR &lt;&gt; Connection delay: source10 DSR</a:t>
+            </a:r>
+          </a:p>
+          <a:p>
+            <a:pPr marL="171450" marR="0" lvl="0" indent="-171450">
+              <a:lnSpc>
+                <a:spcPct val="150000"/>
+              </a:lnSpc>
+              <a:spcBef>
+                <a:spcPts val="0"/>
+              </a:spcBef>
+              <a:spcAft>
+                <a:spcPts val="0"/>
+              </a:spcAft>
+              <a:buFont typeface="Arial" panose="020B0604020202020204" pitchFamily="34" charset="0"/>
+              <a:buChar char="•"/>
+            </a:pPr>
+            <a:r>
+              <a:rPr lang="en-US" sz="1200" dirty="0">
+                <a:latin typeface="Trebuchet MS" panose="020B0603020202020204" pitchFamily="34" charset="0"/>
+                <a:ea typeface="Trebuchet MS" panose="020B0603020202020204" pitchFamily="34" charset="0"/>
+                <a:cs typeface="Times New Roman" panose="02020603050405020304" pitchFamily="18" charset="0"/>
+              </a:rPr>
+              <a:t>Total thread count &lt;&gt; Daemon thread count</a:t>
+            </a:r>
+          </a:p>
+          <a:p>
+            <a:pPr marL="171450" marR="0" lvl="0" indent="-171450">
+              <a:lnSpc>
+                <a:spcPct val="150000"/>
+              </a:lnSpc>
+              <a:spcBef>
+                <a:spcPts val="0"/>
+              </a:spcBef>
+              <a:spcAft>
+                <a:spcPts val="0"/>
+              </a:spcAft>
+              <a:buFont typeface="Arial" panose="020B0604020202020204" pitchFamily="34" charset="0"/>
+              <a:buChar char="•"/>
+            </a:pPr>
+            <a:r>
+              <a:rPr lang="en-US" sz="1200" dirty="0">
+                <a:effectLst/>
+                <a:latin typeface="Trebuchet MS" panose="020B0603020202020204" pitchFamily="34" charset="0"/>
+                <a:ea typeface="Trebuchet MS" panose="020B0603020202020204" pitchFamily="34" charset="0"/>
+                <a:cs typeface="Times New Roman" panose="02020603050405020304" pitchFamily="18" charset="0"/>
+              </a:rPr>
+              <a:t>System CPU &lt;&gt; Process CPU: OS</a:t>
             </a:r>
           </a:p>
         </p:txBody>
@@ -16409,7 +17394,7 @@
     </p:spTree>
     <p:extLst>
       <p:ext uri="{BB962C8B-B14F-4D97-AF65-F5344CB8AC3E}">
-        <p14:creationId xmlns:p14="http://schemas.microsoft.com/office/powerpoint/2010/main" val="49638948"/>
+        <p14:creationId xmlns:p14="http://schemas.microsoft.com/office/powerpoint/2010/main" val="1306197393"/>
       </p:ext>
     </p:extLst>
   </p:cSld>
